--- a/Apresentacao_Robocorp.pptx
+++ b/Apresentacao_Robocorp.pptx
@@ -122,13 +122,45 @@
 <file path=ppt/revisionInfo.xml><?xml version="1.0" encoding="utf-8"?>
 <p1510:revInfo xmlns:a="http://schemas.openxmlformats.org/drawingml/2006/main" xmlns:r="http://schemas.openxmlformats.org/officeDocument/2006/relationships" xmlns:p1510="http://schemas.microsoft.com/office/powerpoint/2015/10/main">
   <p1510:revLst>
-    <p1510:client id="{D9BF8DC8-F401-5047-AA9C-3C25A89EE28B}" v="14" dt="2023-03-01T22:04:58.239"/>
+    <p1510:client id="{13293374-E154-A94C-A901-E38F11FC8EE2}" v="2" dt="2023-03-03T14:10:50.796"/>
   </p1510:revLst>
 </p1510:revInfo>
 </file>
 
 <file path=ppt/changesInfos/changesInfo1.xml><?xml version="1.0" encoding="utf-8"?>
 <pc:chgInfo xmlns:a="http://schemas.openxmlformats.org/drawingml/2006/main" xmlns:r="http://schemas.openxmlformats.org/officeDocument/2006/relationships" xmlns:ac="http://schemas.microsoft.com/office/drawing/2013/main/command" xmlns:pc="http://schemas.microsoft.com/office/powerpoint/2013/main/command">
+  <pc:docChgLst>
+    <pc:chgData name="Rafael Prudente dos Santos" userId="23362bb102c412b5" providerId="LiveId" clId="{13293374-E154-A94C-A901-E38F11FC8EE2}"/>
+    <pc:docChg chg="undo custSel modSld">
+      <pc:chgData name="Rafael Prudente dos Santos" userId="23362bb102c412b5" providerId="LiveId" clId="{13293374-E154-A94C-A901-E38F11FC8EE2}" dt="2023-03-03T14:23:57.274" v="213" actId="15"/>
+      <pc:docMkLst>
+        <pc:docMk/>
+      </pc:docMkLst>
+      <pc:sldChg chg="addSp delSp modSp mod">
+        <pc:chgData name="Rafael Prudente dos Santos" userId="23362bb102c412b5" providerId="LiveId" clId="{13293374-E154-A94C-A901-E38F11FC8EE2}" dt="2023-03-03T14:23:57.274" v="213" actId="15"/>
+        <pc:sldMkLst>
+          <pc:docMk/>
+          <pc:sldMk cId="938654815" sldId="294"/>
+        </pc:sldMkLst>
+        <pc:spChg chg="add del mod">
+          <ac:chgData name="Rafael Prudente dos Santos" userId="23362bb102c412b5" providerId="LiveId" clId="{13293374-E154-A94C-A901-E38F11FC8EE2}" dt="2023-03-03T14:10:50.796" v="104" actId="767"/>
+          <ac:spMkLst>
+            <pc:docMk/>
+            <pc:sldMk cId="938654815" sldId="294"/>
+            <ac:spMk id="2" creationId="{D871DA30-6442-B514-C218-5A190632D73F}"/>
+          </ac:spMkLst>
+        </pc:spChg>
+        <pc:spChg chg="mod">
+          <ac:chgData name="Rafael Prudente dos Santos" userId="23362bb102c412b5" providerId="LiveId" clId="{13293374-E154-A94C-A901-E38F11FC8EE2}" dt="2023-03-03T14:23:57.274" v="213" actId="15"/>
+          <ac:spMkLst>
+            <pc:docMk/>
+            <pc:sldMk cId="938654815" sldId="294"/>
+            <ac:spMk id="4" creationId="{3DBC7097-4E1D-4DAC-EAE8-FD54C7870599}"/>
+          </ac:spMkLst>
+        </pc:spChg>
+      </pc:sldChg>
+    </pc:docChg>
+  </pc:docChgLst>
   <pc:docChgLst>
     <pc:chgData name="Rafael Prudente dos Santos" userId="23362bb102c412b5" providerId="LiveId" clId="{D9BF8DC8-F401-5047-AA9C-3C25A89EE28B}"/>
     <pc:docChg chg="undo custSel addSld delSld modSld sldOrd">
@@ -1001,7 +1033,7 @@
           <a:p>
             <a:fld id="{E1895AFF-8999-4F4E-9FFD-F0F027345F3A}" type="datetimeFigureOut">
               <a:rPr lang="pt-BR" smtClean="0"/>
-              <a:t>01/03/2023</a:t>
+              <a:t>02/03/2023</a:t>
             </a:fld>
             <a:endParaRPr lang="pt-BR"/>
           </a:p>
@@ -2089,7 +2121,7 @@
           <a:p>
             <a:fld id="{E1895AFF-8999-4F4E-9FFD-F0F027345F3A}" type="datetimeFigureOut">
               <a:rPr lang="pt-BR" smtClean="0"/>
-              <a:t>01/03/2023</a:t>
+              <a:t>02/03/2023</a:t>
             </a:fld>
             <a:endParaRPr lang="pt-BR"/>
           </a:p>
@@ -3069,7 +3101,7 @@
           <a:p>
             <a:fld id="{E1895AFF-8999-4F4E-9FFD-F0F027345F3A}" type="datetimeFigureOut">
               <a:rPr lang="pt-BR" smtClean="0"/>
-              <a:t>01/03/2023</a:t>
+              <a:t>02/03/2023</a:t>
             </a:fld>
             <a:endParaRPr lang="pt-BR"/>
           </a:p>
@@ -4203,7 +4235,7 @@
           <a:p>
             <a:fld id="{E1895AFF-8999-4F4E-9FFD-F0F027345F3A}" type="datetimeFigureOut">
               <a:rPr lang="pt-BR" smtClean="0"/>
-              <a:t>01/03/2023</a:t>
+              <a:t>02/03/2023</a:t>
             </a:fld>
             <a:endParaRPr lang="pt-BR"/>
           </a:p>
@@ -5236,7 +5268,7 @@
           <a:p>
             <a:fld id="{E1895AFF-8999-4F4E-9FFD-F0F027345F3A}" type="datetimeFigureOut">
               <a:rPr lang="pt-BR" smtClean="0"/>
-              <a:t>01/03/2023</a:t>
+              <a:t>02/03/2023</a:t>
             </a:fld>
             <a:endParaRPr lang="pt-BR"/>
           </a:p>
@@ -5896,7 +5928,7 @@
           <a:p>
             <a:fld id="{E1895AFF-8999-4F4E-9FFD-F0F027345F3A}" type="datetimeFigureOut">
               <a:rPr lang="pt-BR" smtClean="0"/>
-              <a:t>01/03/2023</a:t>
+              <a:t>02/03/2023</a:t>
             </a:fld>
             <a:endParaRPr lang="pt-BR"/>
           </a:p>
@@ -6757,7 +6789,7 @@
           <a:p>
             <a:fld id="{E1895AFF-8999-4F4E-9FFD-F0F027345F3A}" type="datetimeFigureOut">
               <a:rPr lang="pt-BR" smtClean="0"/>
-              <a:t>01/03/2023</a:t>
+              <a:t>02/03/2023</a:t>
             </a:fld>
             <a:endParaRPr lang="pt-BR"/>
           </a:p>
@@ -6947,7 +6979,7 @@
           <a:p>
             <a:fld id="{E1895AFF-8999-4F4E-9FFD-F0F027345F3A}" type="datetimeFigureOut">
               <a:rPr lang="pt-BR" smtClean="0"/>
-              <a:t>01/03/2023</a:t>
+              <a:t>02/03/2023</a:t>
             </a:fld>
             <a:endParaRPr lang="pt-BR"/>
           </a:p>
@@ -7919,7 +7951,7 @@
           <a:p>
             <a:fld id="{E1895AFF-8999-4F4E-9FFD-F0F027345F3A}" type="datetimeFigureOut">
               <a:rPr lang="pt-BR" smtClean="0"/>
-              <a:t>01/03/2023</a:t>
+              <a:t>02/03/2023</a:t>
             </a:fld>
             <a:endParaRPr lang="pt-BR"/>
           </a:p>
@@ -8130,7 +8162,7 @@
           <a:p>
             <a:fld id="{E1895AFF-8999-4F4E-9FFD-F0F027345F3A}" type="datetimeFigureOut">
               <a:rPr lang="pt-BR" smtClean="0"/>
-              <a:t>01/03/2023</a:t>
+              <a:t>02/03/2023</a:t>
             </a:fld>
             <a:endParaRPr lang="pt-BR"/>
           </a:p>
@@ -9164,7 +9196,7 @@
           <a:p>
             <a:fld id="{E1895AFF-8999-4F4E-9FFD-F0F027345F3A}" type="datetimeFigureOut">
               <a:rPr lang="pt-BR" smtClean="0"/>
-              <a:t>01/03/2023</a:t>
+              <a:t>02/03/2023</a:t>
             </a:fld>
             <a:endParaRPr lang="pt-BR"/>
           </a:p>
@@ -9436,7 +9468,7 @@
           <a:p>
             <a:fld id="{E1895AFF-8999-4F4E-9FFD-F0F027345F3A}" type="datetimeFigureOut">
               <a:rPr lang="pt-BR" smtClean="0"/>
-              <a:t>01/03/2023</a:t>
+              <a:t>02/03/2023</a:t>
             </a:fld>
             <a:endParaRPr lang="pt-BR"/>
           </a:p>
@@ -9846,7 +9878,7 @@
           <a:p>
             <a:fld id="{E1895AFF-8999-4F4E-9FFD-F0F027345F3A}" type="datetimeFigureOut">
               <a:rPr lang="pt-BR" smtClean="0"/>
-              <a:t>01/03/2023</a:t>
+              <a:t>02/03/2023</a:t>
             </a:fld>
             <a:endParaRPr lang="pt-BR"/>
           </a:p>
@@ -9973,7 +10005,7 @@
           <a:p>
             <a:fld id="{E1895AFF-8999-4F4E-9FFD-F0F027345F3A}" type="datetimeFigureOut">
               <a:rPr lang="pt-BR" smtClean="0"/>
-              <a:t>01/03/2023</a:t>
+              <a:t>02/03/2023</a:t>
             </a:fld>
             <a:endParaRPr lang="pt-BR"/>
           </a:p>
@@ -10068,7 +10100,7 @@
           <a:p>
             <a:fld id="{E1895AFF-8999-4F4E-9FFD-F0F027345F3A}" type="datetimeFigureOut">
               <a:rPr lang="pt-BR" smtClean="0"/>
-              <a:t>01/03/2023</a:t>
+              <a:t>02/03/2023</a:t>
             </a:fld>
             <a:endParaRPr lang="pt-BR"/>
           </a:p>
@@ -11149,7 +11181,7 @@
           <a:p>
             <a:fld id="{E1895AFF-8999-4F4E-9FFD-F0F027345F3A}" type="datetimeFigureOut">
               <a:rPr lang="pt-BR" smtClean="0"/>
-              <a:t>01/03/2023</a:t>
+              <a:t>02/03/2023</a:t>
             </a:fld>
             <a:endParaRPr lang="pt-BR"/>
           </a:p>
@@ -12257,7 +12289,7 @@
           <a:p>
             <a:fld id="{E1895AFF-8999-4F4E-9FFD-F0F027345F3A}" type="datetimeFigureOut">
               <a:rPr lang="pt-BR" smtClean="0"/>
-              <a:t>01/03/2023</a:t>
+              <a:t>02/03/2023</a:t>
             </a:fld>
             <a:endParaRPr lang="pt-BR"/>
           </a:p>
@@ -13254,7 +13286,7 @@
           <a:p>
             <a:fld id="{E1895AFF-8999-4F4E-9FFD-F0F027345F3A}" type="datetimeFigureOut">
               <a:rPr lang="pt-BR" smtClean="0"/>
-              <a:t>01/03/2023</a:t>
+              <a:t>02/03/2023</a:t>
             </a:fld>
             <a:endParaRPr lang="pt-BR"/>
           </a:p>
@@ -16165,7 +16197,125 @@
           <a:p>
             <a:r>
               <a:rPr lang="pt-BR" dirty="0"/>
-              <a:t>Descrever e discutir</a:t>
+              <a:t>Fácil instalação</a:t>
+            </a:r>
+          </a:p>
+          <a:p>
+            <a:r>
+              <a:rPr lang="pt-BR" dirty="0"/>
+              <a:t>Para automações simples é intuitivo</a:t>
+            </a:r>
+          </a:p>
+          <a:p>
+            <a:r>
+              <a:rPr lang="pt-BR" dirty="0"/>
+              <a:t>Utiliza </a:t>
+            </a:r>
+            <a:r>
+              <a:rPr lang="pt-BR" dirty="0" err="1"/>
+              <a:t>Selenium</a:t>
+            </a:r>
+            <a:r>
+              <a:rPr lang="pt-BR" dirty="0"/>
+              <a:t> </a:t>
+            </a:r>
+            <a:r>
+              <a:rPr lang="pt-BR" dirty="0" err="1"/>
+              <a:t>WebDriver</a:t>
+            </a:r>
+            <a:r>
+              <a:rPr lang="pt-BR" dirty="0"/>
+              <a:t> (</a:t>
+            </a:r>
+            <a:r>
+              <a:rPr lang="pt-BR" dirty="0" err="1"/>
+              <a:t>SeleniumLibrary</a:t>
+            </a:r>
+            <a:r>
+              <a:rPr lang="pt-BR" dirty="0"/>
+              <a:t>)</a:t>
+            </a:r>
+          </a:p>
+          <a:p>
+            <a:r>
+              <a:rPr lang="pt-BR" dirty="0"/>
+              <a:t>Extensível (Python e C)</a:t>
+            </a:r>
+          </a:p>
+          <a:p>
+            <a:r>
+              <a:rPr lang="pt-BR" dirty="0"/>
+              <a:t>Fácil distribuição das automações (</a:t>
+            </a:r>
+            <a:r>
+              <a:rPr lang="pt-BR" dirty="0" err="1"/>
+              <a:t>Robot</a:t>
+            </a:r>
+            <a:r>
+              <a:rPr lang="pt-BR" dirty="0"/>
+              <a:t> </a:t>
+            </a:r>
+            <a:r>
+              <a:rPr lang="pt-BR" dirty="0" err="1"/>
+              <a:t>Assistant</a:t>
+            </a:r>
+            <a:r>
+              <a:rPr lang="pt-BR" dirty="0"/>
+              <a:t> / </a:t>
+            </a:r>
+            <a:r>
+              <a:rPr lang="pt-BR" dirty="0" err="1"/>
+              <a:t>Control</a:t>
+            </a:r>
+            <a:r>
+              <a:rPr lang="pt-BR" dirty="0"/>
+              <a:t> Room)</a:t>
+            </a:r>
+          </a:p>
+          <a:p>
+            <a:r>
+              <a:rPr lang="pt-BR" dirty="0"/>
+              <a:t>Extensões para VS </a:t>
+            </a:r>
+            <a:r>
+              <a:rPr lang="pt-BR" dirty="0" err="1"/>
+              <a:t>Code</a:t>
+            </a:r>
+            <a:endParaRPr lang="pt-BR" dirty="0"/>
+          </a:p>
+          <a:p>
+            <a:pPr lvl="1"/>
+            <a:r>
+              <a:rPr lang="pt-BR" dirty="0" err="1"/>
+              <a:t>Robocorp</a:t>
+            </a:r>
+            <a:r>
+              <a:rPr lang="pt-BR" dirty="0"/>
+              <a:t> </a:t>
+            </a:r>
+            <a:r>
+              <a:rPr lang="pt-BR" dirty="0" err="1"/>
+              <a:t>Code</a:t>
+            </a:r>
+            <a:endParaRPr lang="pt-BR" dirty="0"/>
+          </a:p>
+          <a:p>
+            <a:pPr lvl="1"/>
+            <a:r>
+              <a:rPr lang="pt-BR" dirty="0" err="1"/>
+              <a:t>Robot</a:t>
+            </a:r>
+            <a:r>
+              <a:rPr lang="pt-BR" dirty="0"/>
+              <a:t> Framework </a:t>
+            </a:r>
+            <a:r>
+              <a:rPr lang="pt-BR" dirty="0" err="1"/>
+              <a:t>Language</a:t>
+            </a:r>
+            <a:r>
+              <a:rPr lang="pt-BR" dirty="0"/>
+              <a:t> Server</a:t>
             </a:r>
           </a:p>
         </p:txBody>
